--- a/Prezentatsia.pptx
+++ b/Prezentatsia.pptx
@@ -205,7 +205,7 @@
           <a:p>
             <a:fld id="{F89E2761-5820-441D-ABF3-4AA32CD43AB3}" type="datetimeFigureOut">
               <a:rPr lang="ru-RU" smtClean="0"/>
-              <a:t>27.02.2018</a:t>
+              <a:t>18.03.2018</a:t>
             </a:fld>
             <a:endParaRPr lang="ru-RU"/>
           </a:p>
@@ -659,7 +659,7 @@
           <a:p>
             <a:fld id="{F99A26AF-31E9-4469-AB70-43EB48064B96}" type="datetimeFigureOut">
               <a:rPr lang="ru-RU" smtClean="0"/>
-              <a:t>27.02.2018</a:t>
+              <a:t>18.03.2018</a:t>
             </a:fld>
             <a:endParaRPr lang="ru-RU"/>
           </a:p>
@@ -934,7 +934,7 @@
           <a:p>
             <a:fld id="{F99A26AF-31E9-4469-AB70-43EB48064B96}" type="datetimeFigureOut">
               <a:rPr lang="ru-RU" smtClean="0"/>
-              <a:t>27.02.2018</a:t>
+              <a:t>18.03.2018</a:t>
             </a:fld>
             <a:endParaRPr lang="ru-RU"/>
           </a:p>
@@ -1128,7 +1128,7 @@
           <a:p>
             <a:fld id="{F99A26AF-31E9-4469-AB70-43EB48064B96}" type="datetimeFigureOut">
               <a:rPr lang="ru-RU" smtClean="0"/>
-              <a:t>27.02.2018</a:t>
+              <a:t>18.03.2018</a:t>
             </a:fld>
             <a:endParaRPr lang="ru-RU"/>
           </a:p>
@@ -1401,7 +1401,7 @@
           <a:p>
             <a:fld id="{F99A26AF-31E9-4469-AB70-43EB48064B96}" type="datetimeFigureOut">
               <a:rPr lang="ru-RU" smtClean="0"/>
-              <a:t>27.02.2018</a:t>
+              <a:t>18.03.2018</a:t>
             </a:fld>
             <a:endParaRPr lang="ru-RU"/>
           </a:p>
@@ -1742,7 +1742,7 @@
           <a:p>
             <a:fld id="{F99A26AF-31E9-4469-AB70-43EB48064B96}" type="datetimeFigureOut">
               <a:rPr lang="ru-RU" smtClean="0"/>
-              <a:t>27.02.2018</a:t>
+              <a:t>18.03.2018</a:t>
             </a:fld>
             <a:endParaRPr lang="ru-RU"/>
           </a:p>
@@ -2365,7 +2365,7 @@
           <a:p>
             <a:fld id="{F99A26AF-31E9-4469-AB70-43EB48064B96}" type="datetimeFigureOut">
               <a:rPr lang="ru-RU" smtClean="0"/>
-              <a:t>27.02.2018</a:t>
+              <a:t>18.03.2018</a:t>
             </a:fld>
             <a:endParaRPr lang="ru-RU"/>
           </a:p>
@@ -3225,7 +3225,7 @@
           <a:p>
             <a:fld id="{F99A26AF-31E9-4469-AB70-43EB48064B96}" type="datetimeFigureOut">
               <a:rPr lang="ru-RU" smtClean="0"/>
-              <a:t>27.02.2018</a:t>
+              <a:t>18.03.2018</a:t>
             </a:fld>
             <a:endParaRPr lang="ru-RU"/>
           </a:p>
@@ -3395,7 +3395,7 @@
           <a:p>
             <a:fld id="{F99A26AF-31E9-4469-AB70-43EB48064B96}" type="datetimeFigureOut">
               <a:rPr lang="ru-RU" smtClean="0"/>
-              <a:t>27.02.2018</a:t>
+              <a:t>18.03.2018</a:t>
             </a:fld>
             <a:endParaRPr lang="ru-RU"/>
           </a:p>
@@ -3575,7 +3575,7 @@
           <a:p>
             <a:fld id="{F99A26AF-31E9-4469-AB70-43EB48064B96}" type="datetimeFigureOut">
               <a:rPr lang="ru-RU" smtClean="0"/>
-              <a:t>27.02.2018</a:t>
+              <a:t>18.03.2018</a:t>
             </a:fld>
             <a:endParaRPr lang="ru-RU"/>
           </a:p>
@@ -3745,7 +3745,7 @@
           <a:p>
             <a:fld id="{F99A26AF-31E9-4469-AB70-43EB48064B96}" type="datetimeFigureOut">
               <a:rPr lang="ru-RU" smtClean="0"/>
-              <a:t>27.02.2018</a:t>
+              <a:t>18.03.2018</a:t>
             </a:fld>
             <a:endParaRPr lang="ru-RU"/>
           </a:p>
@@ -3992,7 +3992,7 @@
           <a:p>
             <a:fld id="{F99A26AF-31E9-4469-AB70-43EB48064B96}" type="datetimeFigureOut">
               <a:rPr lang="ru-RU" smtClean="0"/>
-              <a:t>27.02.2018</a:t>
+              <a:t>18.03.2018</a:t>
             </a:fld>
             <a:endParaRPr lang="ru-RU"/>
           </a:p>
@@ -4284,7 +4284,7 @@
           <a:p>
             <a:fld id="{F99A26AF-31E9-4469-AB70-43EB48064B96}" type="datetimeFigureOut">
               <a:rPr lang="ru-RU" smtClean="0"/>
-              <a:t>27.02.2018</a:t>
+              <a:t>18.03.2018</a:t>
             </a:fld>
             <a:endParaRPr lang="ru-RU"/>
           </a:p>
@@ -4728,7 +4728,7 @@
           <a:p>
             <a:fld id="{F99A26AF-31E9-4469-AB70-43EB48064B96}" type="datetimeFigureOut">
               <a:rPr lang="ru-RU" smtClean="0"/>
-              <a:t>27.02.2018</a:t>
+              <a:t>18.03.2018</a:t>
             </a:fld>
             <a:endParaRPr lang="ru-RU"/>
           </a:p>
@@ -4846,7 +4846,7 @@
           <a:p>
             <a:fld id="{F99A26AF-31E9-4469-AB70-43EB48064B96}" type="datetimeFigureOut">
               <a:rPr lang="ru-RU" smtClean="0"/>
-              <a:t>27.02.2018</a:t>
+              <a:t>18.03.2018</a:t>
             </a:fld>
             <a:endParaRPr lang="ru-RU"/>
           </a:p>
@@ -4941,7 +4941,7 @@
           <a:p>
             <a:fld id="{F99A26AF-31E9-4469-AB70-43EB48064B96}" type="datetimeFigureOut">
               <a:rPr lang="ru-RU" smtClean="0"/>
-              <a:t>27.02.2018</a:t>
+              <a:t>18.03.2018</a:t>
             </a:fld>
             <a:endParaRPr lang="ru-RU"/>
           </a:p>
@@ -5220,7 +5220,7 @@
           <a:p>
             <a:fld id="{F99A26AF-31E9-4469-AB70-43EB48064B96}" type="datetimeFigureOut">
               <a:rPr lang="ru-RU" smtClean="0"/>
-              <a:t>27.02.2018</a:t>
+              <a:t>18.03.2018</a:t>
             </a:fld>
             <a:endParaRPr lang="ru-RU"/>
           </a:p>
@@ -5495,7 +5495,7 @@
           <a:p>
             <a:fld id="{F99A26AF-31E9-4469-AB70-43EB48064B96}" type="datetimeFigureOut">
               <a:rPr lang="ru-RU" smtClean="0"/>
-              <a:t>27.02.2018</a:t>
+              <a:t>18.03.2018</a:t>
             </a:fld>
             <a:endParaRPr lang="ru-RU"/>
           </a:p>
@@ -5924,7 +5924,7 @@
           <a:p>
             <a:fld id="{F99A26AF-31E9-4469-AB70-43EB48064B96}" type="datetimeFigureOut">
               <a:rPr lang="ru-RU" smtClean="0"/>
-              <a:t>27.02.2018</a:t>
+              <a:t>18.03.2018</a:t>
             </a:fld>
             <a:endParaRPr lang="ru-RU"/>
           </a:p>
